--- a/demo-api/src/main/resources/设计模式原则知识分享.pptx
+++ b/demo-api/src/main/resources/设计模式原则知识分享.pptx
@@ -17667,7 +17667,7 @@
         <p:spPr>
           <a:xfrm>
             <a:off x="7044055" y="1865630"/>
-            <a:ext cx="3996690" cy="1198880"/>
+            <a:ext cx="3996690" cy="2030095"/>
           </a:xfrm>
           <a:prstGeom prst="rect">
             <a:avLst/>
@@ -17678,6 +17678,16 @@
           <a:bodyPr wrap="square" rtlCol="0">
             <a:spAutoFit/>
           </a:bodyPr>
+          <a:p>
+            <a:r>
+              <a:rPr lang="zh-CN" altLang="en-US"/>
+              <a:t>经典定义：软件实体应当对扩展开放，对修改关闭</a:t>
+            </a:r>
+            <a:endParaRPr lang="zh-CN" altLang="en-US"/>
+          </a:p>
+          <a:p>
+            <a:endParaRPr lang="zh-CN" altLang="en-US"/>
+          </a:p>
           <a:p>
             <a:r>
               <a:rPr lang="zh-CN" altLang="en-US"/>
@@ -18224,9 +18234,77 @@
           </a:p>
         </p:txBody>
       </p:sp>
+      <p:sp>
+        <p:nvSpPr>
+          <p:cNvPr id="6" name="文本框 5"/>
+          <p:cNvSpPr txBox="1"/>
+          <p:nvPr/>
+        </p:nvSpPr>
+        <p:spPr>
+          <a:xfrm>
+            <a:off x="5165090" y="4443730"/>
+            <a:ext cx="6028690" cy="1383665"/>
+          </a:xfrm>
+          <a:prstGeom prst="rect">
+            <a:avLst/>
+          </a:prstGeom>
+          <a:noFill/>
+        </p:spPr>
+        <p:txBody>
+          <a:bodyPr wrap="square" rtlCol="0">
+            <a:spAutoFit/>
+          </a:bodyPr>
+          <a:p>
+            <a:r>
+              <a:rPr lang="zh-CN" altLang="en-US" sz="1400"/>
+              <a:t>鸟一般都会飞行，如燕子的飞行速度大概是每小时 120 千米。但是新西兰的几维鸟由于翅膀退化无法飞行。假如要设计一个实例，计算这两种鸟飞行 300 千米要花费的时间。显然，拿燕子来测试这段代码，结果正确，能计算出所需要的时间；但拿几维鸟来测试，结果会发生“除零异常”或是“无穷大”，明显不符合预期。正确的做法是：取消几维鸟原来的继承关系，定义鸟和几维鸟的更一般的父类，如动物类，它们都有奔跑的能力。</a:t>
+            </a:r>
+            <a:endParaRPr lang="zh-CN" altLang="en-US" sz="1400"/>
+          </a:p>
+        </p:txBody>
+      </p:sp>
+      <p:sp>
+        <p:nvSpPr>
+          <p:cNvPr id="7" name="文本框 6"/>
+          <p:cNvSpPr txBox="1"/>
+          <p:nvPr/>
+        </p:nvSpPr>
+        <p:spPr>
+          <a:xfrm>
+            <a:off x="7092315" y="1725930"/>
+            <a:ext cx="4101465" cy="2030095"/>
+          </a:xfrm>
+          <a:prstGeom prst="rect">
+            <a:avLst/>
+          </a:prstGeom>
+          <a:noFill/>
+        </p:spPr>
+        <p:txBody>
+          <a:bodyPr wrap="square" rtlCol="0">
+            <a:spAutoFit/>
+          </a:bodyPr>
+          <a:p>
+            <a:r>
+              <a:rPr lang="zh-CN" altLang="en-US"/>
+              <a:t>定义：继承必须确保超类所拥有的性质在子类中仍然成立</a:t>
+            </a:r>
+            <a:endParaRPr lang="zh-CN" altLang="en-US"/>
+          </a:p>
+          <a:p>
+            <a:endParaRPr lang="zh-CN" altLang="en-US"/>
+          </a:p>
+          <a:p>
+            <a:r>
+              <a:rPr lang="zh-CN" altLang="en-US"/>
+              <a:t>子类可以扩展父类的功能，但不能改变父类原有的功能。也就是说：子类继承父类时，除添加新的方法完成新增功能外，尽量不要重写父类的方法。</a:t>
+            </a:r>
+            <a:endParaRPr lang="zh-CN" altLang="en-US"/>
+          </a:p>
+        </p:txBody>
+      </p:sp>
       <p:pic>
         <p:nvPicPr>
-          <p:cNvPr id="5" name="图片 4"/>
+          <p:cNvPr id="8" name="图片 7"/>
           <p:cNvPicPr>
             <a:picLocks noChangeAspect="1"/>
           </p:cNvPicPr>
@@ -18240,72 +18318,14 @@
         </p:blipFill>
         <p:spPr>
           <a:xfrm>
-            <a:off x="568325" y="1725930"/>
-            <a:ext cx="5370195" cy="3406775"/>
+            <a:off x="885825" y="1663065"/>
+            <a:ext cx="3698875" cy="4083685"/>
           </a:xfrm>
           <a:prstGeom prst="rect">
             <a:avLst/>
           </a:prstGeom>
         </p:spPr>
       </p:pic>
-      <p:sp>
-        <p:nvSpPr>
-          <p:cNvPr id="6" name="文本框 5"/>
-          <p:cNvSpPr txBox="1"/>
-          <p:nvPr/>
-        </p:nvSpPr>
-        <p:spPr>
-          <a:xfrm>
-            <a:off x="5367020" y="4578350"/>
-            <a:ext cx="6028690" cy="1168400"/>
-          </a:xfrm>
-          <a:prstGeom prst="rect">
-            <a:avLst/>
-          </a:prstGeom>
-          <a:noFill/>
-        </p:spPr>
-        <p:txBody>
-          <a:bodyPr wrap="square" rtlCol="0">
-            <a:spAutoFit/>
-          </a:bodyPr>
-          <a:p>
-            <a:r>
-              <a:rPr lang="zh-CN" altLang="en-US" sz="1400"/>
-              <a:t>鸟一般都会飞行，如燕子的飞行速度大概是每小时 120 千米。但是新西兰的几维鸟由于翅膀退化无法飞行。假如要设计一个实例，计算这两种鸟飞行 300 千米要花费的时间。显然，拿燕子来测试这段代码，结果正确，能计算出所需要的时间；但拿几维鸟来测试，结果会发生“除零异常”或是“无穷大”，明显不符合预期</a:t>
-            </a:r>
-            <a:endParaRPr lang="zh-CN" altLang="en-US" sz="1400"/>
-          </a:p>
-        </p:txBody>
-      </p:sp>
-      <p:sp>
-        <p:nvSpPr>
-          <p:cNvPr id="7" name="文本框 6"/>
-          <p:cNvSpPr txBox="1"/>
-          <p:nvPr/>
-        </p:nvSpPr>
-        <p:spPr>
-          <a:xfrm>
-            <a:off x="7235825" y="2038350"/>
-            <a:ext cx="3804285" cy="645160"/>
-          </a:xfrm>
-          <a:prstGeom prst="rect">
-            <a:avLst/>
-          </a:prstGeom>
-          <a:noFill/>
-        </p:spPr>
-        <p:txBody>
-          <a:bodyPr wrap="square" rtlCol="0">
-            <a:spAutoFit/>
-          </a:bodyPr>
-          <a:p>
-            <a:r>
-              <a:rPr lang="zh-CN" altLang="en-US"/>
-              <a:t>子类可以扩展父类的功能，但不能改变父类原有的功能</a:t>
-            </a:r>
-            <a:endParaRPr lang="zh-CN" altLang="en-US"/>
-          </a:p>
-        </p:txBody>
-      </p:sp>
     </p:spTree>
   </p:cSld>
   <p:clrMapOvr>

--- a/demo-api/src/main/resources/设计模式原则知识分享.pptx
+++ b/demo-api/src/main/resources/设计模式原则知识分享.pptx
@@ -5677,8 +5677,8 @@
         </p:nvSpPr>
         <p:spPr>
           <a:xfrm>
-            <a:off x="6814185" y="1951990"/>
-            <a:ext cx="3919855" cy="1198880"/>
+            <a:off x="6737350" y="1202055"/>
+            <a:ext cx="3919855" cy="2799715"/>
           </a:xfrm>
           <a:prstGeom prst="rect">
             <a:avLst/>
@@ -5691,10 +5691,30 @@
           </a:bodyPr>
           <a:p>
             <a:r>
-              <a:rPr lang="zh-CN" altLang="en-US"/>
+              <a:rPr lang="zh-CN" altLang="en-US" sz="1600"/>
+              <a:t>定义：高层模块不应该依赖低层模块，两者都应该依赖其抽象；抽象不应该依赖细节，细节应该依赖抽象</a:t>
+            </a:r>
+            <a:endParaRPr lang="zh-CN" altLang="en-US" sz="1600"/>
+          </a:p>
+          <a:p>
+            <a:endParaRPr lang="zh-CN" altLang="en-US" sz="1600"/>
+          </a:p>
+          <a:p>
+            <a:r>
+              <a:rPr lang="zh-CN" altLang="en-US" sz="1600"/>
+              <a:t>其核心思想是：要面向接口编程，不要面向实现编程。</a:t>
+            </a:r>
+            <a:endParaRPr lang="zh-CN" altLang="en-US" sz="1600"/>
+          </a:p>
+          <a:p>
+            <a:endParaRPr lang="zh-CN" altLang="en-US" sz="1600"/>
+          </a:p>
+          <a:p>
+            <a:r>
+              <a:rPr lang="zh-CN" altLang="en-US" sz="1600"/>
               <a:t>依赖倒置原则是实现开闭原则的重要途径之一，它降低了客户与实现模块之间的耦合。目的是通过要面向接口的编程来降低类间的耦合性</a:t>
             </a:r>
-            <a:endParaRPr lang="zh-CN" altLang="en-US"/>
+            <a:endParaRPr lang="zh-CN" altLang="en-US" sz="1600"/>
           </a:p>
         </p:txBody>
       </p:sp>
@@ -6289,7 +6309,7 @@
         <p:spPr>
           <a:xfrm>
             <a:off x="6517005" y="1798955"/>
-            <a:ext cx="4351655" cy="922020"/>
+            <a:ext cx="4351655" cy="2030095"/>
           </a:xfrm>
           <a:prstGeom prst="rect">
             <a:avLst/>
@@ -6303,7 +6323,17 @@
           <a:p>
             <a:r>
               <a:rPr lang="zh-CN" altLang="en-US"/>
-              <a:t>要求程序员尽量将臃肿庞大的接口拆分成更小的和更具体的接口，让接口中只包含客户感兴趣的方法</a:t>
+              <a:t>定义：要求程序员尽量将臃肿庞大的接口拆分成更小的和更具体的接口，让接口中只包含客户感兴趣的方法</a:t>
+            </a:r>
+            <a:endParaRPr lang="zh-CN" altLang="en-US"/>
+          </a:p>
+          <a:p>
+            <a:endParaRPr lang="zh-CN" altLang="en-US"/>
+          </a:p>
+          <a:p>
+            <a:r>
+              <a:rPr lang="zh-CN" altLang="en-US"/>
+              <a:t>要为各个类建立它们需要的专用接口，而不要试图去建立一个很庞大的接口供所有依赖它的类去调用。</a:t>
             </a:r>
             <a:endParaRPr lang="zh-CN" altLang="en-US"/>
           </a:p>
